--- a/presentations/Session_3_Polyglot_Persist.pptx
+++ b/presentations/Session_3_Polyglot_Persist.pptx
@@ -201,7 +201,7 @@
             </a:lvl1pPr>
           </a:lstStyle>
           <a:p>
-            <a:endParaRPr lang="en-US"/>
+            <a:endParaRPr lang="en-US" dirty="0"/>
           </a:p>
         </p:txBody>
       </p:sp>
@@ -236,7 +236,7 @@
               <a:rPr lang="en-US" smtClean="0"/>
               <a:t>5/17/16</a:t>
             </a:fld>
-            <a:endParaRPr lang="en-US"/>
+            <a:endParaRPr lang="en-US" dirty="0"/>
           </a:p>
         </p:txBody>
       </p:sp>
@@ -267,7 +267,7 @@
             </a:lvl1pPr>
           </a:lstStyle>
           <a:p>
-            <a:endParaRPr lang="en-US"/>
+            <a:endParaRPr lang="en-US" dirty="0"/>
           </a:p>
         </p:txBody>
       </p:sp>
@@ -302,7 +302,7 @@
               <a:rPr lang="en-US" smtClean="0"/>
               <a:t>‹#›</a:t>
             </a:fld>
-            <a:endParaRPr lang="en-US"/>
+            <a:endParaRPr lang="en-US" dirty="0"/>
           </a:p>
         </p:txBody>
       </p:sp>
@@ -367,7 +367,7 @@
             </a:lvl1pPr>
           </a:lstStyle>
           <a:p>
-            <a:endParaRPr lang="en-US"/>
+            <a:endParaRPr lang="en-US" dirty="0"/>
           </a:p>
         </p:txBody>
       </p:sp>
@@ -402,7 +402,7 @@
               <a:rPr lang="en-US" smtClean="0"/>
               <a:t>5/17/16</a:t>
             </a:fld>
-            <a:endParaRPr lang="en-US"/>
+            <a:endParaRPr lang="en-US" dirty="0"/>
           </a:p>
         </p:txBody>
       </p:sp>
@@ -435,7 +435,7 @@
           <a:bodyPr vert="horz" lIns="91440" tIns="45720" rIns="91440" bIns="45720" rtlCol="0" anchor="ctr"/>
           <a:lstStyle/>
           <a:p>
-            <a:endParaRPr lang="en-US"/>
+            <a:endParaRPr lang="en-US" dirty="0"/>
           </a:p>
         </p:txBody>
       </p:sp>
@@ -526,7 +526,7 @@
             </a:lvl1pPr>
           </a:lstStyle>
           <a:p>
-            <a:endParaRPr lang="en-US"/>
+            <a:endParaRPr lang="en-US" dirty="0"/>
           </a:p>
         </p:txBody>
       </p:sp>
@@ -561,7 +561,7 @@
               <a:rPr lang="en-US" smtClean="0"/>
               <a:t>‹#›</a:t>
             </a:fld>
-            <a:endParaRPr lang="en-US"/>
+            <a:endParaRPr lang="en-US" dirty="0"/>
           </a:p>
         </p:txBody>
       </p:sp>
@@ -744,7 +744,7 @@
               <a:rPr lang="en-US" smtClean="0"/>
               <a:t>1</a:t>
             </a:fld>
-            <a:endParaRPr lang="en-US"/>
+            <a:endParaRPr lang="en-US" dirty="0"/>
           </a:p>
         </p:txBody>
       </p:sp>
@@ -1965,7 +1965,7 @@
               <a:rPr lang="en-US" smtClean="0"/>
               <a:t>‹#›</a:t>
             </a:fld>
-            <a:endParaRPr lang="en-US"/>
+            <a:endParaRPr lang="en-US" dirty="0"/>
           </a:p>
         </p:txBody>
       </p:sp>
@@ -2159,7 +2159,7 @@
           <a:lstStyle/>
           <a:p>
             <a:pPr algn="ctr"/>
-            <a:endParaRPr lang="en-US">
+            <a:endParaRPr lang="en-US" dirty="0">
               <a:solidFill>
                 <a:prstClr val="white"/>
               </a:solidFill>
@@ -2209,7 +2209,7 @@
               <a:pPr/>
               <a:t>‹#›</a:t>
             </a:fld>
-            <a:endParaRPr lang="en-US">
+            <a:endParaRPr lang="en-US" dirty="0">
               <a:solidFill>
                 <a:prstClr val="white"/>
               </a:solidFill>
@@ -2734,7 +2734,7 @@
               <a:pPr/>
               <a:t>‹#›</a:t>
             </a:fld>
-            <a:endParaRPr lang="en-US">
+            <a:endParaRPr lang="en-US" dirty="0">
               <a:solidFill>
                 <a:srgbClr val="FFFFFF">
                   <a:lumMod val="65000"/>
@@ -2829,7 +2829,7 @@
           <a:lstStyle/>
           <a:p>
             <a:pPr algn="ctr"/>
-            <a:endParaRPr lang="en-US">
+            <a:endParaRPr lang="en-US" dirty="0">
               <a:solidFill>
                 <a:srgbClr val="FFFFFF"/>
               </a:solidFill>
@@ -2921,7 +2921,7 @@
           <a:lstStyle/>
           <a:p>
             <a:pPr algn="ctr"/>
-            <a:endParaRPr lang="en-US">
+            <a:endParaRPr lang="en-US" dirty="0">
               <a:solidFill>
                 <a:srgbClr val="FFFFFF"/>
               </a:solidFill>
@@ -3005,7 +3005,7 @@
               <a:pPr/>
               <a:t>‹#›</a:t>
             </a:fld>
-            <a:endParaRPr lang="en-US">
+            <a:endParaRPr lang="en-US" dirty="0">
               <a:solidFill>
                 <a:srgbClr val="FFFFFF">
                   <a:lumMod val="65000"/>
@@ -3098,7 +3098,7 @@
               <a:pPr/>
               <a:t>‹#›</a:t>
             </a:fld>
-            <a:endParaRPr lang="en-US">
+            <a:endParaRPr lang="en-US" dirty="0">
               <a:solidFill>
                 <a:srgbClr val="FFFFFF">
                   <a:lumMod val="65000"/>
@@ -3276,7 +3276,7 @@
               <a:pPr/>
               <a:t>‹#›</a:t>
             </a:fld>
-            <a:endParaRPr lang="en-US">
+            <a:endParaRPr lang="en-US" dirty="0">
               <a:solidFill>
                 <a:srgbClr val="000000">
                   <a:tint val="75000"/>
@@ -3427,7 +3427,7 @@
           <a:lstStyle/>
           <a:p>
             <a:pPr algn="ctr"/>
-            <a:endParaRPr lang="en-US">
+            <a:endParaRPr lang="en-US" dirty="0">
               <a:solidFill>
                 <a:prstClr val="white"/>
               </a:solidFill>
@@ -3477,7 +3477,7 @@
               <a:pPr/>
               <a:t>‹#›</a:t>
             </a:fld>
-            <a:endParaRPr lang="en-US">
+            <a:endParaRPr lang="en-US" dirty="0">
               <a:solidFill>
                 <a:prstClr val="white"/>
               </a:solidFill>
@@ -3565,7 +3565,7 @@
               <a:rPr lang="en-US" smtClean="0"/>
               <a:t>‹#›</a:t>
             </a:fld>
-            <a:endParaRPr lang="en-US"/>
+            <a:endParaRPr lang="en-US" dirty="0"/>
           </a:p>
         </p:txBody>
       </p:sp>
@@ -3666,7 +3666,7 @@
               <a:rPr lang="en-US" smtClean="0"/>
               <a:t>‹#›</a:t>
             </a:fld>
-            <a:endParaRPr lang="en-US"/>
+            <a:endParaRPr lang="en-US" dirty="0"/>
           </a:p>
         </p:txBody>
       </p:sp>
@@ -4094,7 +4094,7 @@
               <a:pPr/>
               <a:t>‹#›</a:t>
             </a:fld>
-            <a:endParaRPr lang="en-US">
+            <a:endParaRPr lang="en-US" dirty="0">
               <a:solidFill>
                 <a:srgbClr val="FFFFFF">
                   <a:lumMod val="65000"/>
@@ -4231,7 +4231,7 @@
           <a:lstStyle/>
           <a:p>
             <a:pPr algn="ctr"/>
-            <a:endParaRPr lang="en-US">
+            <a:endParaRPr lang="en-US" dirty="0">
               <a:solidFill>
                 <a:srgbClr val="FFFFFF"/>
               </a:solidFill>
@@ -4315,7 +4315,7 @@
               <a:pPr/>
               <a:t>‹#›</a:t>
             </a:fld>
-            <a:endParaRPr lang="en-US">
+            <a:endParaRPr lang="en-US" dirty="0">
               <a:solidFill>
                 <a:srgbClr val="FFFFFF">
                   <a:lumMod val="65000"/>
@@ -4408,7 +4408,7 @@
               <a:pPr/>
               <a:t>‹#›</a:t>
             </a:fld>
-            <a:endParaRPr lang="en-US">
+            <a:endParaRPr lang="en-US" dirty="0">
               <a:solidFill>
                 <a:srgbClr val="FFFFFF">
                   <a:lumMod val="65000"/>
@@ -4586,7 +4586,7 @@
               <a:pPr/>
               <a:t>‹#›</a:t>
             </a:fld>
-            <a:endParaRPr lang="en-US">
+            <a:endParaRPr lang="en-US" dirty="0">
               <a:solidFill>
                 <a:srgbClr val="000000">
                   <a:tint val="75000"/>
@@ -6237,7 +6237,7 @@
           <a:lstStyle/>
           <a:p>
             <a:r>
-              <a:rPr lang="en-US" dirty="0" err="1" smtClean="0"/>
+              <a:rPr lang="en-US" dirty="0" smtClean="0"/>
               <a:t>MongoRepository</a:t>
             </a:r>
             <a:endParaRPr lang="en-US" dirty="0">
@@ -6500,7 +6500,7 @@
           <a:lstStyle/>
           <a:p>
             <a:r>
-              <a:rPr lang="en-US" dirty="0" err="1" smtClean="0"/>
+              <a:rPr lang="en-US" dirty="0" smtClean="0"/>
               <a:t>RedisRepository</a:t>
             </a:r>
             <a:endParaRPr lang="en-US" dirty="0">
@@ -6810,35 +6810,35 @@
           </a:p>
           <a:p>
             <a:r>
-              <a:rPr lang="en-US" sz="2400" dirty="0" err="1" smtClean="0"/>
+              <a:rPr lang="en-US" sz="2400" dirty="0" smtClean="0"/>
               <a:t>MongoDB</a:t>
             </a:r>
             <a:endParaRPr lang="en-US" sz="2400" dirty="0" smtClean="0"/>
           </a:p>
           <a:p>
             <a:r>
-              <a:rPr lang="en-US" sz="2400" dirty="0" err="1" smtClean="0"/>
+              <a:rPr lang="en-US" sz="2400" dirty="0" smtClean="0"/>
               <a:t>Redis</a:t>
             </a:r>
             <a:endParaRPr lang="en-US" sz="2400" dirty="0" smtClean="0"/>
           </a:p>
           <a:p>
             <a:r>
-              <a:rPr lang="en-US" sz="2400" dirty="0" err="1" smtClean="0"/>
+              <a:rPr lang="en-US" sz="2400" dirty="0" smtClean="0"/>
               <a:t>Solr</a:t>
             </a:r>
             <a:endParaRPr lang="en-US" sz="2400" dirty="0" smtClean="0"/>
           </a:p>
           <a:p>
             <a:r>
-              <a:rPr lang="en-US" sz="2400" dirty="0" err="1" smtClean="0"/>
+              <a:rPr lang="en-US" sz="2400" dirty="0" smtClean="0"/>
               <a:t>GemFire</a:t>
             </a:r>
             <a:endParaRPr lang="en-US" sz="2400" dirty="0" smtClean="0"/>
           </a:p>
           <a:p>
             <a:r>
-              <a:rPr lang="en-US" sz="2400" dirty="0" err="1" smtClean="0"/>
+              <a:rPr lang="en-US" sz="2400" dirty="0" smtClean="0"/>
               <a:t>KeyValue</a:t>
             </a:r>
             <a:endParaRPr lang="en-US" sz="2400" dirty="0" smtClean="0"/>
@@ -7183,7 +7183,7 @@
           </a:p>
           <a:p>
             <a:r>
-              <a:rPr lang="en-US" sz="2400" dirty="0" err="1" smtClean="0"/>
+              <a:rPr lang="en-US" sz="2400" dirty="0" smtClean="0"/>
               <a:t>Aerospike</a:t>
             </a:r>
             <a:endParaRPr lang="en-US" sz="2400" dirty="0" smtClean="0"/>
@@ -7196,21 +7196,21 @@
           </a:p>
           <a:p>
             <a:r>
-              <a:rPr lang="en-US" sz="2400" dirty="0" err="1" smtClean="0"/>
+              <a:rPr lang="en-US" sz="2400" dirty="0" smtClean="0"/>
               <a:t>Couchbase</a:t>
             </a:r>
             <a:endParaRPr lang="en-US" sz="2400" dirty="0" smtClean="0"/>
           </a:p>
           <a:p>
             <a:r>
-              <a:rPr lang="en-US" sz="2400" dirty="0" err="1" smtClean="0"/>
+              <a:rPr lang="en-US" sz="2400" dirty="0" smtClean="0"/>
               <a:t>DynamoDB</a:t>
             </a:r>
             <a:endParaRPr lang="en-US" sz="2400" dirty="0" smtClean="0"/>
           </a:p>
           <a:p>
             <a:r>
-              <a:rPr lang="en-US" sz="2400" dirty="0" err="1" smtClean="0"/>
+              <a:rPr lang="en-US" sz="2400" dirty="0" smtClean="0"/>
               <a:t>ElasticSearch</a:t>
             </a:r>
             <a:endParaRPr lang="en-US" sz="2400" dirty="0" smtClean="0"/>
@@ -7347,7 +7347,7 @@
             <a:pPr algn="ctr">
               <a:defRPr/>
             </a:pPr>
-            <a:endParaRPr lang="en-US" kern="0">
+            <a:endParaRPr lang="en-US" kern="0" dirty="0">
               <a:solidFill>
                 <a:srgbClr val="FFFFFF"/>
               </a:solidFill>
@@ -8057,15 +8057,7 @@
             </a:pPr>
             <a:r>
               <a:rPr lang="en-US" sz="1400" dirty="0" smtClean="0"/>
-              <a:t>Add the Spring Data JPA starter to our </a:t>
-            </a:r>
-            <a:r>
-              <a:rPr lang="en-US" sz="1400" dirty="0" err="1" smtClean="0"/>
-              <a:t>pom.xml</a:t>
-            </a:r>
-            <a:r>
-              <a:rPr lang="en-US" sz="1400" dirty="0" smtClean="0"/>
-              <a:t> file</a:t>
+              <a:t>Add the Spring Data JPA starter to our pom.xml file</a:t>
             </a:r>
             <a:endParaRPr lang="en-US" sz="1400" dirty="0" smtClean="0"/>
           </a:p>
@@ -8403,11 +8395,7 @@
             </a:pPr>
             <a:r>
               <a:rPr lang="en-US" sz="1400" dirty="0" smtClean="0"/>
-              <a:t>Sprinkle a database connector into our </a:t>
-            </a:r>
-            <a:r>
-              <a:rPr lang="en-US" sz="1400" dirty="0" err="1" smtClean="0"/>
-              <a:t>pom.xml</a:t>
+              <a:t>Sprinkle a database connector into our pom.xml</a:t>
             </a:r>
             <a:endParaRPr lang="en-US" sz="1400" dirty="0" smtClean="0"/>
           </a:p>
@@ -8650,15 +8638,7 @@
             </a:pPr>
             <a:r>
               <a:rPr lang="en-US" sz="1400" dirty="0" smtClean="0"/>
-              <a:t>Sprinkle a little @</a:t>
-            </a:r>
-            <a:r>
-              <a:rPr lang="en-US" sz="1400" dirty="0" err="1" smtClean="0"/>
-              <a:t>EnableJpaRepositories</a:t>
-            </a:r>
-            <a:r>
-              <a:rPr lang="en-US" sz="1400" dirty="0" smtClean="0"/>
-              <a:t> annotation into our Spring Boot application</a:t>
+              <a:t>Sprinkle a little @EnableJpaRepositories annotation into our Spring Boot application</a:t>
             </a:r>
             <a:endParaRPr lang="en-US" sz="1400" dirty="0" smtClean="0"/>
           </a:p>
@@ -9881,11 +9861,7 @@
             </a:pPr>
             <a:r>
               <a:rPr lang="en-US" sz="1400" dirty="0" smtClean="0"/>
-              <a:t>Add a dash of Spring Data REST starter into our </a:t>
-            </a:r>
-            <a:r>
-              <a:rPr lang="en-US" sz="1400" dirty="0" err="1" smtClean="0"/>
-              <a:t>pom.xml</a:t>
+              <a:t>Add a dash of Spring Data REST starter into our pom.xml</a:t>
             </a:r>
             <a:endParaRPr lang="en-US" sz="1400" dirty="0" smtClean="0"/>
           </a:p>
@@ -10431,15 +10407,7 @@
           <a:p>
             <a:r>
               <a:rPr lang="en-US" dirty="0" smtClean="0"/>
-              <a:t>Support Search, or </a:t>
-            </a:r>
-            <a:r>
-              <a:rPr lang="en-US" dirty="0" err="1" smtClean="0"/>
-              <a:t>findBy</a:t>
-            </a:r>
-            <a:r>
-              <a:rPr lang="en-US" dirty="0" smtClean="0"/>
-              <a:t>*</a:t>
+              <a:t>Support Search, or findBy*</a:t>
             </a:r>
             <a:endParaRPr lang="en-US" dirty="0">
               <a:solidFill>
@@ -10784,7 +10752,7 @@
               <a:t>Add some search methods using @</a:t>
             </a:r>
             <a:r>
-              <a:rPr lang="en-US" sz="1400" dirty="0" err="1" smtClean="0"/>
+              <a:rPr lang="en-US" sz="1400" dirty="0" smtClean="0"/>
               <a:t>RestResource</a:t>
             </a:r>
             <a:r>
@@ -10792,7 +10760,7 @@
               <a:t> to our </a:t>
             </a:r>
             <a:r>
-              <a:rPr lang="en-US" sz="1400" dirty="0" err="1" smtClean="0"/>
+              <a:rPr lang="en-US" sz="1400" dirty="0" smtClean="0"/>
               <a:t>CityRepository</a:t>
             </a:r>
             <a:r>
@@ -11417,7 +11385,7 @@
               <a:t>Add a method “</a:t>
             </a:r>
             <a:r>
-              <a:rPr lang="en-US" sz="1400" dirty="0" err="1" smtClean="0"/>
+              <a:rPr lang="en-US" sz="1400" dirty="0" smtClean="0"/>
               <a:t>findByStateCode</a:t>
             </a:r>
             <a:r>
@@ -11429,7 +11397,7 @@
               <a:t>to our </a:t>
             </a:r>
             <a:r>
-              <a:rPr lang="en-US" sz="1400" dirty="0" err="1" smtClean="0"/>
+              <a:rPr lang="en-US" sz="1400" dirty="0" smtClean="0"/>
               <a:t>CityRepository</a:t>
             </a:r>
             <a:r>
@@ -11441,7 +11409,7 @@
               <a:t>that defines an custom query using @Query notation and takes an @</a:t>
             </a:r>
             <a:r>
-              <a:rPr lang="en-US" sz="1400" dirty="0" err="1" smtClean="0"/>
+              <a:rPr lang="en-US" sz="1400" dirty="0" smtClean="0"/>
               <a:t>Param</a:t>
             </a:r>
             <a:r>
@@ -11449,7 +11417,7 @@
               <a:t> argument for the </a:t>
             </a:r>
             <a:r>
-              <a:rPr lang="en-US" sz="1400" dirty="0" err="1" smtClean="0"/>
+              <a:rPr lang="en-US" sz="1400" dirty="0" smtClean="0"/>
               <a:t>stateCode</a:t>
             </a:r>
             <a:endParaRPr lang="en-US" sz="1400" dirty="0" smtClean="0"/>
